--- a/Project5-Capstone/water_proj/water_project.pptx
+++ b/Project5-Capstone/water_proj/water_project.pptx
@@ -229,7 +229,7 @@
           <a:p>
             <a:fld id="{CDFAFF1D-C402-4C4F-BD12-C34F6A0E8A61}" type="datetimeFigureOut">
               <a:rPr lang="en-US" smtClean="0"/>
-              <a:t>9/17/16</a:t>
+              <a:t>9/19/16</a:t>
             </a:fld>
             <a:endParaRPr lang="en-US"/>
           </a:p>
@@ -395,7 +395,7 @@
           <a:p>
             <a:fld id="{C9D36BD8-CD78-41DF-8D7D-E9F05375FFE5}" type="datetimeFigureOut">
               <a:rPr lang="en-US" smtClean="0"/>
-              <a:t>9/17/16</a:t>
+              <a:t>9/19/16</a:t>
             </a:fld>
             <a:endParaRPr lang="en-US"/>
           </a:p>
@@ -1241,85 +1241,6 @@
           <a:bodyPr/>
           <a:lstStyle/>
           <a:p>
-            <a:r>
-              <a:rPr kumimoji="1" lang="en-US" altLang="zh-CN" sz="1400" b="1" dirty="0" smtClean="0">
-                <a:latin typeface="+mn-lt"/>
-              </a:rPr>
-              <a:t>After</a:t>
-            </a:r>
-            <a:r>
-              <a:rPr kumimoji="1" lang="en-US" altLang="zh-CN" sz="1400" b="1" baseline="0" dirty="0" smtClean="0">
-                <a:latin typeface="+mn-lt"/>
-              </a:rPr>
-              <a:t> all those qualitative and quantitative research, we again want to emphasize our two main conclusions for today’s presentations. </a:t>
-            </a:r>
-          </a:p>
-          <a:p>
-            <a:endParaRPr kumimoji="1" lang="en-US" altLang="zh-CN" sz="1400" b="1" baseline="0" dirty="0" smtClean="0">
-              <a:latin typeface="+mn-lt"/>
-            </a:endParaRPr>
-          </a:p>
-          <a:p>
-            <a:r>
-              <a:rPr kumimoji="1" lang="en-US" altLang="zh-CN" sz="1400" b="1" baseline="0" dirty="0" smtClean="0">
-                <a:latin typeface="+mn-lt"/>
-              </a:rPr>
-              <a:t>First of all, </a:t>
-            </a:r>
-            <a:r>
-              <a:rPr kumimoji="0" lang="en-US" altLang="zh-CN" sz="1400" b="1" baseline="0" dirty="0" smtClean="0">
-                <a:latin typeface="+mn-lt"/>
-                <a:cs typeface="Times New Roman" pitchFamily="18" charset="0"/>
-              </a:rPr>
-              <a:t>p</a:t>
-            </a:r>
-            <a:r>
-              <a:rPr lang="en-US" altLang="zh-CN" sz="1400" b="1" dirty="0" smtClean="0">
-                <a:latin typeface="+mn-lt"/>
-                <a:cs typeface="Times New Roman" pitchFamily="18" charset="0"/>
-              </a:rPr>
-              <a:t>anel regression model indicates a significantly negative relation between the level of dollarization and trade growth on a cross-regional basis.</a:t>
-            </a:r>
-          </a:p>
-          <a:p>
-            <a:endParaRPr lang="en-US" altLang="zh-CN" sz="1400" b="1" dirty="0" smtClean="0">
-              <a:latin typeface="+mn-lt"/>
-              <a:cs typeface="Times New Roman" pitchFamily="18" charset="0"/>
-            </a:endParaRPr>
-          </a:p>
-          <a:p>
-            <a:pPr marL="0" marR="0" indent="0" algn="l" defTabSz="914400" rtl="0" eaLnBrk="1" fontAlgn="auto" latinLnBrk="0" hangingPunct="1">
-              <a:lnSpc>
-                <a:spcPct val="100000"/>
-              </a:lnSpc>
-              <a:spcBef>
-                <a:spcPts val="0"/>
-              </a:spcBef>
-              <a:spcAft>
-                <a:spcPts val="0"/>
-              </a:spcAft>
-              <a:buClrTx/>
-              <a:buSzTx/>
-              <a:buFontTx/>
-              <a:buNone/>
-              <a:tabLst/>
-              <a:defRPr/>
-            </a:pPr>
-            <a:r>
-              <a:rPr lang="en-US" altLang="zh-CN" sz="1400" b="1" dirty="0" smtClean="0">
-                <a:latin typeface="+mn-lt"/>
-                <a:cs typeface="Times New Roman" pitchFamily="18" charset="0"/>
-              </a:rPr>
-              <a:t>However, in countries with previous experience of macroeconomic turmoil or civil wars, such as Cambodia and Haiti, dollarization helps promote trade.</a:t>
-            </a:r>
-          </a:p>
-          <a:p>
-            <a:endParaRPr lang="en-US" altLang="zh-CN" sz="1400" b="1" dirty="0" smtClean="0">
-              <a:latin typeface="+mn-lt"/>
-              <a:cs typeface="Times New Roman" pitchFamily="18" charset="0"/>
-            </a:endParaRPr>
-          </a:p>
-          <a:p>
             <a:endParaRPr lang="en-US" altLang="zh-CN" sz="1400" b="1" dirty="0" smtClean="0">
               <a:latin typeface="+mn-lt"/>
               <a:cs typeface="Times New Roman" pitchFamily="18" charset="0"/>
@@ -1836,7 +1757,7 @@
           <a:p>
             <a:fld id="{38DB55FA-2D51-034B-B7D4-84605F0E0143}" type="datetime4">
               <a:rPr lang="en-US" smtClean="0"/>
-              <a:t>September 17, 2016</a:t>
+              <a:t>September 19, 2016</a:t>
             </a:fld>
             <a:endParaRPr lang="en-US" dirty="0"/>
           </a:p>
@@ -2037,7 +1958,7 @@
           <a:p>
             <a:fld id="{DDB4E7DB-9006-324B-A8D5-640B77F58308}" type="datetime4">
               <a:rPr lang="en-US" smtClean="0"/>
-              <a:t>September 17, 2016</a:t>
+              <a:t>September 19, 2016</a:t>
             </a:fld>
             <a:endParaRPr lang="en-US"/>
           </a:p>
@@ -2213,7 +2134,7 @@
           <a:p>
             <a:fld id="{415DFFD5-1586-8447-AC73-B32B6A69327E}" type="datetime4">
               <a:rPr lang="en-US" smtClean="0"/>
-              <a:t>September 17, 2016</a:t>
+              <a:t>September 19, 2016</a:t>
             </a:fld>
             <a:endParaRPr lang="en-US"/>
           </a:p>
@@ -2379,7 +2300,7 @@
           <a:p>
             <a:fld id="{5269FC82-D1D2-BA4B-A7FD-93071B4BFDA9}" type="datetime4">
               <a:rPr lang="en-US" smtClean="0"/>
-              <a:t>September 17, 2016</a:t>
+              <a:t>September 19, 2016</a:t>
             </a:fld>
             <a:endParaRPr lang="en-US"/>
           </a:p>
@@ -2628,7 +2549,7 @@
           <a:p>
             <a:fld id="{B6A733D4-1181-DB4F-9B27-03FEED828DD2}" type="datetime4">
               <a:rPr lang="en-US" smtClean="0"/>
-              <a:t>September 17, 2016</a:t>
+              <a:t>September 19, 2016</a:t>
             </a:fld>
             <a:endParaRPr lang="en-US" dirty="0"/>
           </a:p>
@@ -2947,7 +2868,7 @@
           <a:p>
             <a:fld id="{4BF889F9-E60A-C041-B1CE-3F817B820FDA}" type="datetime4">
               <a:rPr lang="en-US" smtClean="0"/>
-              <a:t>September 17, 2016</a:t>
+              <a:t>September 19, 2016</a:t>
             </a:fld>
             <a:endParaRPr lang="en-US"/>
           </a:p>
@@ -3414,7 +3335,7 @@
           <a:p>
             <a:fld id="{A2F8F84A-E42A-714F-9855-E056BAE31FC2}" type="datetime4">
               <a:rPr lang="en-US" smtClean="0"/>
-              <a:t>September 17, 2016</a:t>
+              <a:t>September 19, 2016</a:t>
             </a:fld>
             <a:endParaRPr lang="en-US"/>
           </a:p>
@@ -3563,7 +3484,7 @@
           <a:p>
             <a:fld id="{5DA5AFF8-AF7D-664E-8D72-6339575A8DB0}" type="datetime4">
               <a:rPr lang="en-US" smtClean="0"/>
-              <a:t>September 17, 2016</a:t>
+              <a:t>September 19, 2016</a:t>
             </a:fld>
             <a:endParaRPr lang="en-US"/>
           </a:p>
@@ -3654,7 +3575,7 @@
           <a:p>
             <a:fld id="{E4E88CA0-A9D7-3241-BF76-CE918E6C30C8}" type="datetime4">
               <a:rPr lang="en-US" smtClean="0"/>
-              <a:t>September 17, 2016</a:t>
+              <a:t>September 19, 2016</a:t>
             </a:fld>
             <a:endParaRPr lang="en-US"/>
           </a:p>
@@ -3929,7 +3850,7 @@
           <a:p>
             <a:fld id="{57ED4848-D48F-0F4D-A3FE-8D4C715E9799}" type="datetime4">
               <a:rPr lang="en-US" smtClean="0"/>
-              <a:t>September 17, 2016</a:t>
+              <a:t>September 19, 2016</a:t>
             </a:fld>
             <a:endParaRPr lang="en-US"/>
           </a:p>
@@ -4235,7 +4156,7 @@
           <a:p>
             <a:fld id="{9D9A27E7-806C-7A41-8A2D-3549BD8E5A3A}" type="datetime4">
               <a:rPr lang="en-US" smtClean="0"/>
-              <a:t>September 17, 2016</a:t>
+              <a:t>September 19, 2016</a:t>
             </a:fld>
             <a:endParaRPr lang="en-US"/>
           </a:p>
@@ -4534,7 +4455,7 @@
           <a:p>
             <a:fld id="{EAB8B28A-E825-5043-BF49-49DD55923A3A}" type="datetime4">
               <a:rPr lang="en-US" smtClean="0"/>
-              <a:t>September 17, 2016</a:t>
+              <a:t>September 19, 2016</a:t>
             </a:fld>
             <a:endParaRPr lang="en-US" dirty="0"/>
           </a:p>
@@ -4991,15 +4912,6 @@
               </a:rPr>
               <a:t>Pump it up, Drill it down:</a:t>
             </a:r>
-            <a:endParaRPr lang="en-US" sz="4400" b="1" dirty="0" smtClean="0">
-              <a:solidFill>
-                <a:schemeClr val="tx2">
-                  <a:lumMod val="50000"/>
-                </a:schemeClr>
-              </a:solidFill>
-              <a:latin typeface="Aharoni" pitchFamily="2" charset="-79"/>
-              <a:cs typeface="Aharoni" pitchFamily="2" charset="-79"/>
-            </a:endParaRPr>
           </a:p>
           <a:p>
             <a:pPr algn="ctr"/>
@@ -5013,19 +4925,7 @@
                 <a:latin typeface="Times New Roman" pitchFamily="18" charset="0"/>
                 <a:cs typeface="Times New Roman" pitchFamily="18" charset="0"/>
               </a:rPr>
-              <a:t>An </a:t>
-            </a:r>
-            <a:r>
-              <a:rPr lang="en-US" sz="3200" dirty="0" smtClean="0">
-                <a:solidFill>
-                  <a:schemeClr val="tx2">
-                    <a:lumMod val="50000"/>
-                  </a:schemeClr>
-                </a:solidFill>
-                <a:latin typeface="Times New Roman" pitchFamily="18" charset="0"/>
-                <a:cs typeface="Times New Roman" pitchFamily="18" charset="0"/>
-              </a:rPr>
-              <a:t>Analysis of Tanzanian Water Projects</a:t>
+              <a:t>An Analysis of Tanzanian Water Projects</a:t>
             </a:r>
             <a:endParaRPr lang="en-US" sz="3200" dirty="0">
               <a:solidFill>
@@ -5318,19 +5218,7 @@
                 <a:latin typeface="Arial Black" pitchFamily="34" charset="0"/>
                 <a:cs typeface="Times New Roman" pitchFamily="18" charset="0"/>
               </a:rPr>
-              <a:t>            </a:t>
-            </a:r>
-            <a:r>
-              <a:rPr lang="en-US" sz="1400" b="1" dirty="0" smtClean="0">
-                <a:solidFill>
-                  <a:schemeClr val="tx2">
-                    <a:lumMod val="50000"/>
-                  </a:schemeClr>
-                </a:solidFill>
-                <a:latin typeface="Arial Black" pitchFamily="34" charset="0"/>
-                <a:cs typeface="Times New Roman" pitchFamily="18" charset="0"/>
-              </a:rPr>
-              <a:t>NYC Data Science Academy</a:t>
+              <a:t>            NYC Data Science Academy</a:t>
             </a:r>
             <a:endParaRPr lang="en-US" sz="1400" b="1" dirty="0">
               <a:solidFill>
@@ -5389,16 +5277,11 @@
               <a:rPr lang="en-US" dirty="0" smtClean="0"/>
               <a:t>September 18, 2016</a:t>
             </a:r>
-            <a:endParaRPr lang="en-US" dirty="0" smtClean="0"/>
           </a:p>
           <a:p>
             <a:r>
               <a:rPr lang="en-US" dirty="0" smtClean="0"/>
-              <a:t>Capstone Project </a:t>
-            </a:r>
-            <a:r>
-              <a:rPr lang="en-US" dirty="0" smtClean="0"/>
-              <a:t>Presentation </a:t>
+              <a:t>Capstone Project Presentation </a:t>
             </a:r>
             <a:endParaRPr lang="en-US" dirty="0"/>
           </a:p>
@@ -5558,10 +5441,6 @@
               </a:rPr>
               <a:t>Shiny-app on agency donation recommendation and geo-location recommendation</a:t>
             </a:r>
-            <a:endParaRPr lang="en-US" dirty="0" smtClean="0">
-              <a:latin typeface="Times New Roman" pitchFamily="18" charset="0"/>
-              <a:cs typeface="Times New Roman" pitchFamily="18" charset="0"/>
-            </a:endParaRPr>
           </a:p>
           <a:p>
             <a:pPr marL="0" indent="0">
@@ -5739,21 +5618,7 @@
                 <a:latin typeface="Times New Roman"/>
                 <a:cs typeface="Times New Roman"/>
               </a:rPr>
-              <a:t>Thank you for your </a:t>
-            </a:r>
-            <a:r>
-              <a:rPr kumimoji="1" lang="en-US" altLang="zh-CN" sz="3600" b="1" dirty="0" smtClean="0">
-                <a:latin typeface="Times New Roman"/>
-                <a:cs typeface="Times New Roman"/>
-              </a:rPr>
-              <a:t>time.</a:t>
-            </a:r>
-            <a:r>
-              <a:rPr kumimoji="1" lang="en-US" altLang="zh-CN" sz="3600" b="1" dirty="0" smtClean="0">
-                <a:latin typeface="Times New Roman"/>
-                <a:cs typeface="Times New Roman"/>
-              </a:rPr>
-              <a:t/>
+              <a:t>Thank you for your time.</a:t>
             </a:r>
             <a:br>
               <a:rPr kumimoji="1" lang="en-US" altLang="zh-CN" sz="3600" b="1" dirty="0" smtClean="0">
@@ -6004,13 +5869,6 @@
               </a:rPr>
               <a:t>t work at all?</a:t>
             </a:r>
-            <a:endParaRPr lang="en-US" sz="2900" dirty="0" smtClean="0">
-              <a:solidFill>
-                <a:schemeClr val="tx2">
-                  <a:lumMod val="50000"/>
-                </a:schemeClr>
-              </a:solidFill>
-            </a:endParaRPr>
           </a:p>
           <a:p>
             <a:pPr lvl="1">
@@ -6591,29 +6449,7 @@
                   </a:schemeClr>
                 </a:solidFill>
               </a:rPr>
-              <a:t>l</a:t>
-            </a:r>
-            <a:r>
-              <a:rPr lang="en-US" dirty="0" smtClean="0">
-                <a:solidFill>
-                  <a:schemeClr val="tx1">
-                    <a:lumMod val="75000"/>
-                    <a:lumOff val="25000"/>
-                  </a:schemeClr>
-                </a:solidFill>
-              </a:rPr>
-              <a:t>akes </a:t>
-            </a:r>
-            <a:r>
-              <a:rPr lang="en-US" dirty="0" smtClean="0">
-                <a:solidFill>
-                  <a:schemeClr val="tx1">
-                    <a:lumMod val="75000"/>
-                    <a:lumOff val="25000"/>
-                  </a:schemeClr>
-                </a:solidFill>
-              </a:rPr>
-              <a:t>in the world: </a:t>
+              <a:t>lakes in the world: </a:t>
             </a:r>
           </a:p>
           <a:p>
@@ -7337,14 +7173,7 @@
                 <a:latin typeface="Times New Roman" pitchFamily="18" charset="0"/>
                 <a:cs typeface="Times New Roman" pitchFamily="18" charset="0"/>
               </a:rPr>
-              <a:t>I. </a:t>
-            </a:r>
-            <a:r>
-              <a:rPr lang="en-US" sz="3000" b="1" u="sng" dirty="0" smtClean="0">
-                <a:latin typeface="Times New Roman" pitchFamily="18" charset="0"/>
-                <a:cs typeface="Times New Roman" pitchFamily="18" charset="0"/>
-              </a:rPr>
-              <a:t>Tanzania, so much water, what is the problem?</a:t>
+              <a:t>I. Tanzania, so much water, what is the problem?</a:t>
             </a:r>
             <a:endParaRPr lang="en-US" sz="3000" b="1" dirty="0">
               <a:latin typeface="Times New Roman" pitchFamily="18" charset="0"/>
@@ -7375,7 +7204,7 @@
           <a:graphicData uri="http://schemas.openxmlformats.org/presentationml/2006/ole">
             <mc:AlternateContent xmlns:mc="http://schemas.openxmlformats.org/markup-compatibility/2006">
               <mc:Choice xmlns:v="urn:schemas-microsoft-com:vml" Requires="v">
-                <p:oleObj spid="_x0000_s1092" name="Equation" r:id="rId5" imgW="114300" imgH="165100" progId="Equation.3">
+                <p:oleObj spid="_x0000_s1098" name="Equation" r:id="rId5" imgW="114300" imgH="165100" progId="Equation.3">
                   <p:embed/>
                 </p:oleObj>
               </mc:Choice>
@@ -7658,21 +7487,7 @@
                 <a:latin typeface="Times" pitchFamily="18" charset="0"/>
                 <a:cs typeface="Times" pitchFamily="18" charset="0"/>
               </a:rPr>
-              <a:t>II. Water Projects, </a:t>
-            </a:r>
-            <a:r>
-              <a:rPr lang="en-US" sz="3600" b="1" u="sng" dirty="0" smtClean="0">
-                <a:latin typeface="Times" pitchFamily="18" charset="0"/>
-                <a:cs typeface="Times" pitchFamily="18" charset="0"/>
-              </a:rPr>
-              <a:t>an effective s</a:t>
-            </a:r>
-            <a:r>
-              <a:rPr lang="en-US" sz="3600" b="1" u="sng" dirty="0" smtClean="0">
-                <a:latin typeface="Times" pitchFamily="18" charset="0"/>
-                <a:cs typeface="Times" pitchFamily="18" charset="0"/>
-              </a:rPr>
-              <a:t>olution?</a:t>
+              <a:t>II. Water Projects, an effective solution?</a:t>
             </a:r>
             <a:endParaRPr lang="en-US" sz="2700" b="1" u="sng" dirty="0">
               <a:latin typeface="Times" pitchFamily="18" charset="0"/>
@@ -9726,14 +9541,7 @@
                 <a:latin typeface="Times New Roman" pitchFamily="18" charset="0"/>
                 <a:cs typeface="Times New Roman" pitchFamily="18" charset="0"/>
               </a:rPr>
-              <a:t>V. </a:t>
-            </a:r>
-            <a:r>
-              <a:rPr lang="en-US" sz="3600" b="1" u="sng" dirty="0" smtClean="0">
-                <a:latin typeface="Times New Roman" pitchFamily="18" charset="0"/>
-                <a:cs typeface="Times New Roman" pitchFamily="18" charset="0"/>
-              </a:rPr>
-              <a:t>Conclusion </a:t>
+              <a:t>V. Conclusion </a:t>
             </a:r>
             <a:endParaRPr lang="en-US" sz="3600" b="1" u="sng" dirty="0">
               <a:latin typeface="Times New Roman" pitchFamily="18" charset="0"/>
@@ -9754,22 +9562,54 @@
         </p:nvSpPr>
         <p:spPr>
           <a:xfrm>
-            <a:off x="457200" y="1600200"/>
-            <a:ext cx="8229600" cy="3505200"/>
+            <a:off x="457200" y="1447800"/>
+            <a:ext cx="8229600" cy="3657600"/>
           </a:xfrm>
         </p:spPr>
         <p:txBody>
           <a:bodyPr>
-            <a:normAutofit fontScale="85000" lnSpcReduction="20000"/>
+            <a:normAutofit fontScale="77500" lnSpcReduction="20000"/>
           </a:bodyPr>
           <a:lstStyle/>
           <a:p>
+            <a:pPr lvl="1"/>
+            <a:endParaRPr lang="en-US" dirty="0">
+              <a:latin typeface="Times New Roman" pitchFamily="18" charset="0"/>
+              <a:cs typeface="Times New Roman" pitchFamily="18" charset="0"/>
+            </a:endParaRPr>
+          </a:p>
+          <a:p>
+            <a:pPr>
+              <a:buFont typeface="Wingdings" charset="2"/>
+              <a:buChar char="Ø"/>
+            </a:pPr>
+            <a:r>
+              <a:rPr lang="en-US" b="1" dirty="0" smtClean="0">
+                <a:latin typeface="Times New Roman" pitchFamily="18" charset="0"/>
+                <a:cs typeface="Times New Roman" pitchFamily="18" charset="0"/>
+              </a:rPr>
+              <a:t>What is needed isn’t more money, but better spending:</a:t>
+            </a:r>
+            <a:endParaRPr lang="en-US" dirty="0">
+              <a:latin typeface="Times New Roman" pitchFamily="18" charset="0"/>
+              <a:cs typeface="Times New Roman" pitchFamily="18" charset="0"/>
+            </a:endParaRPr>
+          </a:p>
+          <a:p>
+            <a:pPr lvl="1"/>
             <a:r>
               <a:rPr lang="en-US" dirty="0" smtClean="0">
                 <a:latin typeface="Times New Roman" pitchFamily="18" charset="0"/>
                 <a:cs typeface="Times New Roman" pitchFamily="18" charset="0"/>
               </a:rPr>
-              <a:t>1. </a:t>
+              <a:t>1</a:t>
+            </a:r>
+            <a:r>
+              <a:rPr lang="en-US" dirty="0" smtClean="0">
+                <a:latin typeface="Times New Roman" pitchFamily="18" charset="0"/>
+                <a:cs typeface="Times New Roman" pitchFamily="18" charset="0"/>
+              </a:rPr>
+              <a:t>. </a:t>
             </a:r>
             <a:r>
               <a:rPr lang="en-US" dirty="0">
@@ -9797,14 +9637,14 @@
                 <a:latin typeface="Times New Roman" pitchFamily="18" charset="0"/>
                 <a:cs typeface="Times New Roman" pitchFamily="18" charset="0"/>
               </a:rPr>
-              <a:t>loop, </a:t>
+              <a:t>loop,  international donors are not as efficient as local communities</a:t>
             </a:r>
             <a:r>
               <a:rPr lang="en-US" dirty="0" smtClean="0">
                 <a:latin typeface="Times New Roman" pitchFamily="18" charset="0"/>
                 <a:cs typeface="Times New Roman" pitchFamily="18" charset="0"/>
               </a:rPr>
-              <a:t> international donors are not as efficient as local communities.</a:t>
+              <a:t>.</a:t>
             </a:r>
             <a:endParaRPr lang="en-US" dirty="0" smtClean="0">
               <a:latin typeface="Times New Roman" pitchFamily="18" charset="0"/>
@@ -9812,60 +9652,83 @@
             </a:endParaRPr>
           </a:p>
           <a:p>
+            <a:pPr lvl="1"/>
+            <a:r>
+              <a:rPr lang="en-US" dirty="0" smtClean="0">
+                <a:latin typeface="Times New Roman" pitchFamily="18" charset="0"/>
+                <a:cs typeface="Times New Roman" pitchFamily="18" charset="0"/>
+              </a:rPr>
+              <a:t>2. Free goods are often exploited. We need to create a market to reward for project construction and maintenance</a:t>
+            </a:r>
+            <a:r>
+              <a:rPr lang="en-US" dirty="0" smtClean="0">
+                <a:latin typeface="Times New Roman" pitchFamily="18" charset="0"/>
+                <a:cs typeface="Times New Roman" pitchFamily="18" charset="0"/>
+              </a:rPr>
+              <a:t>.</a:t>
+            </a:r>
+          </a:p>
+          <a:p>
+            <a:pPr lvl="1"/>
             <a:endParaRPr lang="en-US" dirty="0" smtClean="0">
               <a:latin typeface="Times New Roman" pitchFamily="18" charset="0"/>
               <a:cs typeface="Times New Roman" pitchFamily="18" charset="0"/>
             </a:endParaRPr>
           </a:p>
           <a:p>
-            <a:r>
-              <a:rPr lang="en-US" dirty="0" smtClean="0">
+            <a:pPr>
+              <a:buFont typeface="Wingdings" charset="2"/>
+              <a:buChar char="Ø"/>
+            </a:pPr>
+            <a:r>
+              <a:rPr lang="en-US" b="1" dirty="0">
                 <a:latin typeface="Times New Roman" pitchFamily="18" charset="0"/>
                 <a:cs typeface="Times New Roman" pitchFamily="18" charset="0"/>
               </a:rPr>
-              <a:t>2. </a:t>
-            </a:r>
-            <a:r>
-              <a:rPr lang="en-US" dirty="0" smtClean="0">
+              <a:t>This model aims at</a:t>
+            </a:r>
+            <a:r>
+              <a:rPr lang="en-US" dirty="0">
                 <a:latin typeface="Times New Roman" pitchFamily="18" charset="0"/>
                 <a:cs typeface="Times New Roman" pitchFamily="18" charset="0"/>
               </a:rPr>
-              <a:t>Free goods are often exploited. We need to create a market to reward for project construction and maintenance.</a:t>
-            </a:r>
-          </a:p>
-          <a:p>
-            <a:endParaRPr lang="en-US" dirty="0">
-              <a:latin typeface="Times New Roman" pitchFamily="18" charset="0"/>
-              <a:cs typeface="Times New Roman" pitchFamily="18" charset="0"/>
-            </a:endParaRPr>
-          </a:p>
-          <a:p>
-            <a:r>
-              <a:rPr lang="en-US" dirty="0" smtClean="0">
+              <a:t>:</a:t>
+            </a:r>
+          </a:p>
+          <a:p>
+            <a:pPr lvl="1"/>
+            <a:r>
+              <a:rPr lang="en-US" dirty="0">
                 <a:latin typeface="Times New Roman" pitchFamily="18" charset="0"/>
                 <a:cs typeface="Times New Roman" pitchFamily="18" charset="0"/>
               </a:rPr>
-              <a:t>3. </a:t>
-            </a:r>
-            <a:r>
-              <a:rPr lang="en-US" dirty="0" smtClean="0">
+              <a:t>pointing out room for improvement</a:t>
+            </a:r>
+          </a:p>
+          <a:p>
+            <a:pPr lvl="1"/>
+            <a:r>
+              <a:rPr lang="en-US" dirty="0">
                 <a:latin typeface="Times New Roman" pitchFamily="18" charset="0"/>
                 <a:cs typeface="Times New Roman" pitchFamily="18" charset="0"/>
               </a:rPr>
-              <a:t>repair functional needs repair, non-functional ones that are listed as “enough”</a:t>
-            </a:r>
-            <a:endParaRPr lang="en-US" dirty="0" smtClean="0">
-              <a:latin typeface="Times New Roman" pitchFamily="18" charset="0"/>
-              <a:cs typeface="Times New Roman" pitchFamily="18" charset="0"/>
-            </a:endParaRPr>
-          </a:p>
-          <a:p>
-            <a:endParaRPr lang="en-US" dirty="0">
-              <a:latin typeface="Times New Roman" pitchFamily="18" charset="0"/>
-              <a:cs typeface="Times New Roman" pitchFamily="18" charset="0"/>
-            </a:endParaRPr>
-          </a:p>
-          <a:p>
+              <a:t>redirecting funds to the most efficient players</a:t>
+            </a:r>
+          </a:p>
+          <a:p>
+            <a:pPr lvl="1"/>
+            <a:r>
+              <a:rPr lang="en-US" dirty="0">
+                <a:latin typeface="Times New Roman" pitchFamily="18" charset="0"/>
+                <a:cs typeface="Times New Roman" pitchFamily="18" charset="0"/>
+              </a:rPr>
+              <a:t>Identifying potential success of proposed projects</a:t>
+            </a:r>
+          </a:p>
+          <a:p>
+            <a:pPr marL="0" indent="0">
+              <a:buNone/>
+            </a:pPr>
             <a:endParaRPr lang="en-US" b="1" dirty="0" smtClean="0">
               <a:latin typeface="Times New Roman" pitchFamily="18" charset="0"/>
               <a:cs typeface="Times New Roman" pitchFamily="18" charset="0"/>
@@ -9880,35 +9743,21 @@
                 <a:latin typeface="Times New Roman" pitchFamily="18" charset="0"/>
                 <a:cs typeface="Times New Roman" pitchFamily="18" charset="0"/>
               </a:rPr>
-              <a:t>Suggestion: Drill </a:t>
+              <a:t>Suggestion: </a:t>
+            </a:r>
+            <a:r>
+              <a:rPr lang="en-US" dirty="0" smtClean="0">
+                <a:latin typeface="Times New Roman" pitchFamily="18" charset="0"/>
+                <a:cs typeface="Times New Roman" pitchFamily="18" charset="0"/>
+              </a:rPr>
+              <a:t>Drill international funds down to local searchers, create incentives where there is none, and establish systems for maintenance</a:t>
             </a:r>
             <a:r>
               <a:rPr lang="en-US" b="1" dirty="0" smtClean="0">
                 <a:latin typeface="Times New Roman" pitchFamily="18" charset="0"/>
                 <a:cs typeface="Times New Roman" pitchFamily="18" charset="0"/>
               </a:rPr>
-              <a:t>international</a:t>
-            </a:r>
-            <a:r>
-              <a:rPr lang="en-US" b="1" dirty="0" smtClean="0">
-                <a:latin typeface="Times New Roman" pitchFamily="18" charset="0"/>
-                <a:cs typeface="Times New Roman" pitchFamily="18" charset="0"/>
-              </a:rPr>
-              <a:t> funds </a:t>
-            </a:r>
-            <a:r>
-              <a:rPr lang="en-US" b="1" dirty="0" smtClean="0">
-                <a:latin typeface="Times New Roman" pitchFamily="18" charset="0"/>
-                <a:cs typeface="Times New Roman" pitchFamily="18" charset="0"/>
-              </a:rPr>
-              <a:t>down </a:t>
-            </a:r>
-            <a:r>
-              <a:rPr lang="en-US" b="1" dirty="0" smtClean="0">
-                <a:latin typeface="Times New Roman" pitchFamily="18" charset="0"/>
-                <a:cs typeface="Times New Roman" pitchFamily="18" charset="0"/>
-              </a:rPr>
-              <a:t>to local searchers, create incentives where there is none, and establish systems for maintenance. </a:t>
+              <a:t>. </a:t>
             </a:r>
             <a:endParaRPr lang="en-US" b="1" dirty="0">
               <a:latin typeface="Times New Roman" pitchFamily="18" charset="0"/>

--- a/Project5-Capstone/water_proj/water_project.pptx
+++ b/Project5-Capstone/water_proj/water_project.pptx
@@ -748,6 +748,176 @@
 </p:notes>
 </file>
 
+<file path=ppt/notesSlides/notesSlide10.xml><?xml version="1.0" encoding="utf-8"?>
+<p:notes xmlns:a="http://schemas.openxmlformats.org/drawingml/2006/main" xmlns:r="http://schemas.openxmlformats.org/officeDocument/2006/relationships" xmlns:p="http://schemas.openxmlformats.org/presentationml/2006/main">
+  <p:cSld>
+    <p:spTree>
+      <p:nvGrpSpPr>
+        <p:cNvPr id="1" name=""/>
+        <p:cNvGrpSpPr/>
+        <p:nvPr/>
+      </p:nvGrpSpPr>
+      <p:grpSpPr>
+        <a:xfrm>
+          <a:off x="0" y="0"/>
+          <a:ext cx="0" cy="0"/>
+          <a:chOff x="0" y="0"/>
+          <a:chExt cx="0" cy="0"/>
+        </a:xfrm>
+      </p:grpSpPr>
+      <p:sp>
+        <p:nvSpPr>
+          <p:cNvPr id="2" name="幻灯片图像占位符 1"/>
+          <p:cNvSpPr>
+            <a:spLocks noGrp="1" noRot="1" noChangeAspect="1"/>
+          </p:cNvSpPr>
+          <p:nvPr>
+            <p:ph type="sldImg"/>
+          </p:nvPr>
+        </p:nvSpPr>
+        <p:spPr/>
+      </p:sp>
+      <p:sp>
+        <p:nvSpPr>
+          <p:cNvPr id="3" name="备注占位符 2"/>
+          <p:cNvSpPr>
+            <a:spLocks noGrp="1"/>
+          </p:cNvSpPr>
+          <p:nvPr>
+            <p:ph type="body" idx="1"/>
+          </p:nvPr>
+        </p:nvSpPr>
+        <p:spPr/>
+        <p:txBody>
+          <a:bodyPr/>
+          <a:lstStyle/>
+          <a:p>
+            <a:endParaRPr kumimoji="1" lang="zh-CN" altLang="en-US" sz="1400" b="1" dirty="0">
+              <a:latin typeface="+mn-lt"/>
+            </a:endParaRPr>
+          </a:p>
+        </p:txBody>
+      </p:sp>
+      <p:sp>
+        <p:nvSpPr>
+          <p:cNvPr id="4" name="幻灯片编号占位符 3"/>
+          <p:cNvSpPr>
+            <a:spLocks noGrp="1"/>
+          </p:cNvSpPr>
+          <p:nvPr>
+            <p:ph type="sldNum" sz="quarter" idx="10"/>
+          </p:nvPr>
+        </p:nvSpPr>
+        <p:spPr/>
+        <p:txBody>
+          <a:bodyPr/>
+          <a:lstStyle/>
+          <a:p>
+            <a:fld id="{840F4A49-2218-49F9-A339-F86BCA4B9A96}" type="slidenum">
+              <a:rPr lang="en-US" smtClean="0"/>
+              <a:t>10</a:t>
+            </a:fld>
+            <a:endParaRPr lang="en-US"/>
+          </a:p>
+        </p:txBody>
+      </p:sp>
+    </p:spTree>
+    <p:extLst>
+      <p:ext uri="{BB962C8B-B14F-4D97-AF65-F5344CB8AC3E}">
+        <p14:creationId xmlns:p14="http://schemas.microsoft.com/office/powerpoint/2010/main" val="1115229136"/>
+      </p:ext>
+    </p:extLst>
+  </p:cSld>
+  <p:clrMapOvr>
+    <a:masterClrMapping/>
+  </p:clrMapOvr>
+</p:notes>
+</file>
+
+<file path=ppt/notesSlides/notesSlide11.xml><?xml version="1.0" encoding="utf-8"?>
+<p:notes xmlns:a="http://schemas.openxmlformats.org/drawingml/2006/main" xmlns:r="http://schemas.openxmlformats.org/officeDocument/2006/relationships" xmlns:p="http://schemas.openxmlformats.org/presentationml/2006/main">
+  <p:cSld>
+    <p:spTree>
+      <p:nvGrpSpPr>
+        <p:cNvPr id="1" name=""/>
+        <p:cNvGrpSpPr/>
+        <p:nvPr/>
+      </p:nvGrpSpPr>
+      <p:grpSpPr>
+        <a:xfrm>
+          <a:off x="0" y="0"/>
+          <a:ext cx="0" cy="0"/>
+          <a:chOff x="0" y="0"/>
+          <a:chExt cx="0" cy="0"/>
+        </a:xfrm>
+      </p:grpSpPr>
+      <p:sp>
+        <p:nvSpPr>
+          <p:cNvPr id="2" name="幻灯片图像占位符 1"/>
+          <p:cNvSpPr>
+            <a:spLocks noGrp="1" noRot="1" noChangeAspect="1"/>
+          </p:cNvSpPr>
+          <p:nvPr>
+            <p:ph type="sldImg"/>
+          </p:nvPr>
+        </p:nvSpPr>
+        <p:spPr/>
+      </p:sp>
+      <p:sp>
+        <p:nvSpPr>
+          <p:cNvPr id="3" name="备注占位符 2"/>
+          <p:cNvSpPr>
+            <a:spLocks noGrp="1"/>
+          </p:cNvSpPr>
+          <p:nvPr>
+            <p:ph type="body" idx="1"/>
+          </p:nvPr>
+        </p:nvSpPr>
+        <p:spPr/>
+        <p:txBody>
+          <a:bodyPr/>
+          <a:lstStyle/>
+          <a:p>
+            <a:endParaRPr kumimoji="1" lang="zh-CN" altLang="en-US"/>
+          </a:p>
+        </p:txBody>
+      </p:sp>
+      <p:sp>
+        <p:nvSpPr>
+          <p:cNvPr id="4" name="幻灯片编号占位符 3"/>
+          <p:cNvSpPr>
+            <a:spLocks noGrp="1"/>
+          </p:cNvSpPr>
+          <p:nvPr>
+            <p:ph type="sldNum" sz="quarter" idx="10"/>
+          </p:nvPr>
+        </p:nvSpPr>
+        <p:spPr/>
+        <p:txBody>
+          <a:bodyPr/>
+          <a:lstStyle/>
+          <a:p>
+            <a:fld id="{840F4A49-2218-49F9-A339-F86BCA4B9A96}" type="slidenum">
+              <a:rPr lang="en-US" smtClean="0"/>
+              <a:t>11</a:t>
+            </a:fld>
+            <a:endParaRPr lang="en-US"/>
+          </a:p>
+        </p:txBody>
+      </p:sp>
+    </p:spTree>
+    <p:extLst>
+      <p:ext uri="{BB962C8B-B14F-4D97-AF65-F5344CB8AC3E}">
+        <p14:creationId xmlns:p14="http://schemas.microsoft.com/office/powerpoint/2010/main" val="3791524513"/>
+      </p:ext>
+    </p:extLst>
+  </p:cSld>
+  <p:clrMapOvr>
+    <a:masterClrMapping/>
+  </p:clrMapOvr>
+</p:notes>
+</file>
+
 <file path=ppt/notesSlides/notesSlide2.xml><?xml version="1.0" encoding="utf-8"?>
 <p:notes xmlns:a="http://schemas.openxmlformats.org/drawingml/2006/main" xmlns:r="http://schemas.openxmlformats.org/officeDocument/2006/relationships" xmlns:p="http://schemas.openxmlformats.org/presentationml/2006/main">
   <p:cSld>
@@ -895,7 +1065,101 @@
             </a:pPr>
             <a:r>
               <a:rPr lang="en-US" dirty="0" smtClean="0"/>
-              <a:t>Social , gender</a:t>
+              <a:t>Ground</a:t>
+            </a:r>
+            <a:r>
+              <a:rPr lang="en-US" baseline="0" dirty="0" smtClean="0"/>
+              <a:t> water contaminations: leakage from poorly constructed drainage system</a:t>
+            </a:r>
+          </a:p>
+          <a:p>
+            <a:pPr marL="0" marR="0" indent="0" algn="l" defTabSz="914400" rtl="0" eaLnBrk="1" fontAlgn="auto" latinLnBrk="0" hangingPunct="1">
+              <a:lnSpc>
+                <a:spcPct val="100000"/>
+              </a:lnSpc>
+              <a:spcBef>
+                <a:spcPts val="0"/>
+              </a:spcBef>
+              <a:spcAft>
+                <a:spcPts val="0"/>
+              </a:spcAft>
+              <a:buClrTx/>
+              <a:buSzTx/>
+              <a:buFontTx/>
+              <a:buNone/>
+              <a:tabLst/>
+              <a:defRPr/>
+            </a:pPr>
+            <a:r>
+              <a:rPr lang="en-US" baseline="0" dirty="0" smtClean="0"/>
+              <a:t>Surface water extraction: which usually involves walking several miles per day each way, and most of this cumbersome but daily tasks are carried out by women, especially young girls who are supposed to be at school. And it is not hard to infer that this long walk is exacerbating the already quite severed social and gender inequalities. </a:t>
+            </a:r>
+          </a:p>
+          <a:p>
+            <a:pPr marL="0" marR="0" indent="0" algn="l" defTabSz="914400" rtl="0" eaLnBrk="1" fontAlgn="auto" latinLnBrk="0" hangingPunct="1">
+              <a:lnSpc>
+                <a:spcPct val="100000"/>
+              </a:lnSpc>
+              <a:spcBef>
+                <a:spcPts val="0"/>
+              </a:spcBef>
+              <a:spcAft>
+                <a:spcPts val="0"/>
+              </a:spcAft>
+              <a:buClrTx/>
+              <a:buSzTx/>
+              <a:buFontTx/>
+              <a:buNone/>
+              <a:tabLst/>
+              <a:defRPr/>
+            </a:pPr>
+            <a:endParaRPr lang="en-US" baseline="0" dirty="0" smtClean="0"/>
+          </a:p>
+          <a:p>
+            <a:pPr marL="0" marR="0" indent="0" algn="l" defTabSz="914400" rtl="0" eaLnBrk="1" fontAlgn="auto" latinLnBrk="0" hangingPunct="1">
+              <a:lnSpc>
+                <a:spcPct val="100000"/>
+              </a:lnSpc>
+              <a:spcBef>
+                <a:spcPts val="0"/>
+              </a:spcBef>
+              <a:spcAft>
+                <a:spcPts val="0"/>
+              </a:spcAft>
+              <a:buClrTx/>
+              <a:buSzTx/>
+              <a:buFontTx/>
+              <a:buNone/>
+              <a:tabLst/>
+              <a:defRPr/>
+            </a:pPr>
+            <a:endParaRPr lang="en-US" dirty="0" smtClean="0"/>
+          </a:p>
+          <a:p>
+            <a:pPr marL="0" marR="0" indent="0" algn="l" defTabSz="914400" rtl="0" eaLnBrk="1" fontAlgn="auto" latinLnBrk="0" hangingPunct="1">
+              <a:lnSpc>
+                <a:spcPct val="100000"/>
+              </a:lnSpc>
+              <a:spcBef>
+                <a:spcPts val="0"/>
+              </a:spcBef>
+              <a:spcAft>
+                <a:spcPts val="0"/>
+              </a:spcAft>
+              <a:buClrTx/>
+              <a:buSzTx/>
+              <a:buFontTx/>
+              <a:buNone/>
+              <a:tabLst/>
+              <a:defRPr/>
+            </a:pPr>
+            <a:r>
+              <a:rPr lang="en-US" dirty="0" smtClean="0"/>
+              <a:t>Social </a:t>
+            </a:r>
+            <a:r>
+              <a:rPr lang="en-US" dirty="0" smtClean="0"/>
+              <a:t>, gender</a:t>
             </a:r>
             <a:r>
               <a:rPr lang="en-US" baseline="0" dirty="0" smtClean="0"/>
@@ -960,7 +1224,7 @@
       </p:grpSpPr>
       <p:sp>
         <p:nvSpPr>
-          <p:cNvPr id="2" name="幻灯片图像占位符 1"/>
+          <p:cNvPr id="2" name="Slide Image Placeholder 1"/>
           <p:cNvSpPr>
             <a:spLocks noGrp="1" noRot="1" noChangeAspect="1"/>
           </p:cNvSpPr>
@@ -972,7 +1236,7 @@
       </p:sp>
       <p:sp>
         <p:nvSpPr>
-          <p:cNvPr id="3" name="备注占位符 2"/>
+          <p:cNvPr id="3" name="Notes Placeholder 2"/>
           <p:cNvSpPr>
             <a:spLocks noGrp="1"/>
           </p:cNvSpPr>
@@ -985,13 +1249,38 @@
           <a:bodyPr/>
           <a:lstStyle/>
           <a:p>
-            <a:endParaRPr kumimoji="1" lang="zh-CN" altLang="en-US"/>
-          </a:p>
-        </p:txBody>
-      </p:sp>
-      <p:sp>
-        <p:nvSpPr>
-          <p:cNvPr id="4" name="幻灯片编号占位符 3"/>
+            <a:r>
+              <a:rPr lang="en-US" dirty="0" smtClean="0"/>
+              <a:t>This is</a:t>
+            </a:r>
+            <a:r>
+              <a:rPr lang="en-US" baseline="0" dirty="0" smtClean="0"/>
+              <a:t> actually a nice picture of the long walk, since you see there is a group of family or friends, holding hands</a:t>
+            </a:r>
+          </a:p>
+          <a:p>
+            <a:r>
+              <a:rPr lang="en-US" baseline="0" dirty="0" smtClean="0"/>
+              <a:t>But in fact most of the work is carried out on an individual basis, where the girls are exposed to all kinds of dangers from wild animals to their fellow human beings.  </a:t>
+            </a:r>
+          </a:p>
+          <a:p>
+            <a:r>
+              <a:rPr lang="en-US" baseline="0" dirty="0" smtClean="0"/>
+              <a:t>And the quality of the water that they transferred are also questionable and may indeed carry numerous water-borne diseases. </a:t>
+            </a:r>
+          </a:p>
+          <a:p>
+            <a:endParaRPr lang="en-US" dirty="0" smtClean="0"/>
+          </a:p>
+          <a:p>
+            <a:endParaRPr lang="en-US" dirty="0"/>
+          </a:p>
+        </p:txBody>
+      </p:sp>
+      <p:sp>
+        <p:nvSpPr>
+          <p:cNvPr id="4" name="Slide Number Placeholder 3"/>
           <p:cNvSpPr>
             <a:spLocks noGrp="1"/>
           </p:cNvSpPr>
@@ -1006,7 +1295,7 @@
           <a:p>
             <a:fld id="{840F4A49-2218-49F9-A339-F86BCA4B9A96}" type="slidenum">
               <a:rPr lang="en-US" smtClean="0"/>
-              <a:t>5</a:t>
+              <a:t>4</a:t>
             </a:fld>
             <a:endParaRPr lang="en-US"/>
           </a:p>
@@ -1015,7 +1304,7 @@
     </p:spTree>
     <p:extLst>
       <p:ext uri="{BB962C8B-B14F-4D97-AF65-F5344CB8AC3E}">
-        <p14:creationId xmlns:p14="http://schemas.microsoft.com/office/powerpoint/2010/main" val="2182888698"/>
+        <p14:creationId xmlns:p14="http://schemas.microsoft.com/office/powerpoint/2010/main" val="4032442737"/>
       </p:ext>
     </p:extLst>
   </p:cSld>
@@ -1071,8 +1360,76 @@
           <a:p>
             <a:r>
               <a:rPr kumimoji="1" lang="en-US" altLang="zh-CN" dirty="0" smtClean="0"/>
-              <a:t>Fuzz matching</a:t>
-            </a:r>
+              <a:t>Therefore, having</a:t>
+            </a:r>
+            <a:r>
+              <a:rPr kumimoji="1" lang="en-US" altLang="zh-CN" baseline="0" dirty="0" smtClean="0"/>
+              <a:t> witness the severity of the whole situation, or even just part of it, many NGOs, Central Governments, local communities and individuals</a:t>
+            </a:r>
+          </a:p>
+          <a:p>
+            <a:r>
+              <a:rPr kumimoji="1" lang="en-US" altLang="zh-CN" baseline="0" dirty="0" smtClean="0"/>
+              <a:t>Have stepped in to invest in building </a:t>
+            </a:r>
+            <a:r>
+              <a:rPr kumimoji="1" lang="en-US" altLang="zh-CN" baseline="0" dirty="0" err="1" smtClean="0"/>
+              <a:t>waterpoints</a:t>
+            </a:r>
+            <a:r>
+              <a:rPr kumimoji="1" lang="en-US" altLang="zh-CN" baseline="0" dirty="0" smtClean="0"/>
+              <a:t>, so as to shorten this long walk.  </a:t>
+            </a:r>
+          </a:p>
+          <a:p>
+            <a:r>
+              <a:rPr kumimoji="1" lang="en-US" altLang="zh-CN" baseline="0" dirty="0" smtClean="0"/>
+              <a:t>And here on the left, each of the dot here represents a water point project sponsors by all types of funders, and in particulate, the red dots represent the projects that are still functioning, the blue dots represent those that are no longer working, and the few green dots are the ones that are functioning, but needs repair or else they will soon become the part of the non-functioning category. </a:t>
+            </a:r>
+          </a:p>
+          <a:p>
+            <a:r>
+              <a:rPr kumimoji="1" lang="en-US" altLang="zh-CN" baseline="0" dirty="0" smtClean="0"/>
+              <a:t>But as we can see, the distribution of the colored dots are quite uneven, for example, with more functioning ones on the southwest of the country, and more non functioning ones on the southeast coast of the country. </a:t>
+            </a:r>
+          </a:p>
+          <a:p>
+            <a:endParaRPr kumimoji="1" lang="en-US" altLang="zh-CN" baseline="0" dirty="0" smtClean="0"/>
+          </a:p>
+          <a:p>
+            <a:r>
+              <a:rPr kumimoji="1" lang="en-US" altLang="zh-CN" baseline="0" dirty="0" smtClean="0"/>
+              <a:t>On the right, there is a plot of the number of projects constructed each year from 1960 to 2013, with the observations on 2013 incomplete. </a:t>
+            </a:r>
+          </a:p>
+          <a:p>
+            <a:r>
+              <a:rPr kumimoji="1" lang="en-US" altLang="zh-CN" baseline="0" dirty="0" smtClean="0"/>
+              <a:t>General trend of growth for the number of projects, mostly from international donors, and as time goes by, we can also infer from the graph that the ratio of blue bars to red bars, that is the ratio of nonfunctional projects to functional projects increases a lot along with time. </a:t>
+            </a:r>
+          </a:p>
+          <a:p>
+            <a:r>
+              <a:rPr kumimoji="1" lang="en-US" altLang="zh-CN" baseline="0" dirty="0" smtClean="0"/>
+              <a:t>And also, as we go back to the time in early 70s, there is almost no green bars, the functional but needs repair category almost all faded into the malfunctioning category. </a:t>
+            </a:r>
+          </a:p>
+          <a:p>
+            <a:endParaRPr kumimoji="1" lang="en-US" altLang="zh-CN" baseline="0" dirty="0" smtClean="0"/>
+          </a:p>
+          <a:p>
+            <a:r>
+              <a:rPr kumimoji="1" lang="en-US" altLang="zh-CN" baseline="0" dirty="0" smtClean="0"/>
+              <a:t>So the question that we may wonder is, hey look, there are so many projects going on, and people are spending a lot of money, how effective are the projects, </a:t>
+            </a:r>
+          </a:p>
+          <a:p>
+            <a:r>
+              <a:rPr kumimoji="1" lang="en-US" altLang="zh-CN" baseline="0" dirty="0" smtClean="0"/>
+              <a:t>Why are some of the possible reasons that they are not as effective as they should be?</a:t>
+            </a:r>
+          </a:p>
+          <a:p>
             <a:endParaRPr kumimoji="1" lang="zh-CN" altLang="en-US" dirty="0"/>
           </a:p>
         </p:txBody>
@@ -1094,7 +1451,7 @@
           <a:p>
             <a:fld id="{840F4A49-2218-49F9-A339-F86BCA4B9A96}" type="slidenum">
               <a:rPr lang="en-US" smtClean="0"/>
-              <a:t>7</a:t>
+              <a:t>5</a:t>
             </a:fld>
             <a:endParaRPr lang="en-US"/>
           </a:p>
@@ -1103,7 +1460,7 @@
     </p:spTree>
     <p:extLst>
       <p:ext uri="{BB962C8B-B14F-4D97-AF65-F5344CB8AC3E}">
-        <p14:creationId xmlns:p14="http://schemas.microsoft.com/office/powerpoint/2010/main" val="2138231777"/>
+        <p14:creationId xmlns:p14="http://schemas.microsoft.com/office/powerpoint/2010/main" val="2182888698"/>
       </p:ext>
     </p:extLst>
   </p:cSld>
@@ -1157,7 +1514,38 @@
           <a:bodyPr/>
           <a:lstStyle/>
           <a:p>
-            <a:endParaRPr lang="en-US" dirty="0"/>
+            <a:r>
+              <a:rPr lang="en-US" dirty="0" smtClean="0"/>
+              <a:t>So here</a:t>
+            </a:r>
+            <a:r>
+              <a:rPr lang="en-US" baseline="0" dirty="0" smtClean="0"/>
+              <a:t> I list two of the possible causes based on my past life as an economist, the inefficient management system from the donors, and the lack of proper market incentives due to the institution created by the inefficient donors. </a:t>
+            </a:r>
+          </a:p>
+          <a:p>
+            <a:endParaRPr lang="en-US" baseline="0" dirty="0" smtClean="0"/>
+          </a:p>
+          <a:p>
+            <a:r>
+              <a:rPr lang="en-US" baseline="0" dirty="0" smtClean="0"/>
+              <a:t>Here I roughly separate funders into two broad categories: local community and the Tanzanian government as the searchers, who have specific knowledge of the logistics of their individual projects but don’t have enough funding, and the foreign governments and international agencies, such as UN, World Bank and its subsidiaries as the Planners, who have the funding to spend but not as efficiently. </a:t>
+            </a:r>
+          </a:p>
+          <a:p>
+            <a:r>
+              <a:rPr lang="en-US" baseline="0" dirty="0" smtClean="0"/>
+              <a:t>And from the first bar charts we can see, the searchers have quite an edge in terms of effectiveness comparing to the planners, and their percentages of functioning but need repair category are much higher than the other category, so they are the ones that in fact need more money. </a:t>
+            </a:r>
+          </a:p>
+          <a:p>
+            <a:endParaRPr lang="en-US" baseline="0" dirty="0" smtClean="0"/>
+          </a:p>
+          <a:p>
+            <a:r>
+              <a:rPr lang="en-US" baseline="0" dirty="0" smtClean="0"/>
+              <a:t>Money charged for the accessed water, profit, no matter how minimal, not only provide certain employment opportunities for the locals, thus income, and growth, but also establish a feedback loop, so that people have incentive to maintain the functionality of the projects, and get rewarded for their endeavors. </a:t>
+            </a:r>
           </a:p>
         </p:txBody>
       </p:sp>
@@ -1178,7 +1566,7 @@
           <a:p>
             <a:fld id="{840F4A49-2218-49F9-A339-F86BCA4B9A96}" type="slidenum">
               <a:rPr lang="en-US" smtClean="0"/>
-              <a:t>8</a:t>
+              <a:t>6</a:t>
             </a:fld>
             <a:endParaRPr lang="en-US"/>
           </a:p>
@@ -1187,7 +1575,7 @@
     </p:spTree>
     <p:extLst>
       <p:ext uri="{BB962C8B-B14F-4D97-AF65-F5344CB8AC3E}">
-        <p14:creationId xmlns:p14="http://schemas.microsoft.com/office/powerpoint/2010/main" val="1427554976"/>
+        <p14:creationId xmlns:p14="http://schemas.microsoft.com/office/powerpoint/2010/main" val="1558743141"/>
       </p:ext>
     </p:extLst>
   </p:cSld>
@@ -1241,12 +1629,24 @@
           <a:bodyPr/>
           <a:lstStyle/>
           <a:p>
-            <a:endParaRPr lang="en-US" altLang="zh-CN" sz="1400" b="1" dirty="0" smtClean="0">
-              <a:latin typeface="+mn-lt"/>
-              <a:cs typeface="Times New Roman" pitchFamily="18" charset="0"/>
-            </a:endParaRPr>
-          </a:p>
-          <a:p>
+            <a:r>
+              <a:rPr kumimoji="1" lang="en-US" altLang="zh-CN" dirty="0" smtClean="0"/>
+              <a:t>Fuzz </a:t>
+            </a:r>
+            <a:r>
+              <a:rPr kumimoji="1" lang="en-US" altLang="zh-CN" dirty="0" smtClean="0"/>
+              <a:t>matching</a:t>
+            </a:r>
+          </a:p>
+          <a:p>
+            <a:r>
+              <a:rPr kumimoji="1" lang="en-US" altLang="zh-CN" dirty="0" smtClean="0"/>
+              <a:t>Identify the reasons</a:t>
+            </a:r>
+            <a:r>
+              <a:rPr kumimoji="1" lang="en-US" altLang="zh-CN" baseline="0" dirty="0" smtClean="0"/>
+              <a:t> for malfunctioning projects and predict the possibility of success of new ones,</a:t>
+            </a:r>
             <a:endParaRPr kumimoji="1" lang="zh-CN" altLang="en-US" dirty="0"/>
           </a:p>
         </p:txBody>
@@ -1268,7 +1668,7 @@
           <a:p>
             <a:fld id="{840F4A49-2218-49F9-A339-F86BCA4B9A96}" type="slidenum">
               <a:rPr lang="en-US" smtClean="0"/>
-              <a:t>9</a:t>
+              <a:t>7</a:t>
             </a:fld>
             <a:endParaRPr lang="en-US"/>
           </a:p>
@@ -1277,7 +1677,7 @@
     </p:spTree>
     <p:extLst>
       <p:ext uri="{BB962C8B-B14F-4D97-AF65-F5344CB8AC3E}">
-        <p14:creationId xmlns:p14="http://schemas.microsoft.com/office/powerpoint/2010/main" val="2628358046"/>
+        <p14:creationId xmlns:p14="http://schemas.microsoft.com/office/powerpoint/2010/main" val="2138231777"/>
       </p:ext>
     </p:extLst>
   </p:cSld>
@@ -1306,7 +1706,7 @@
       </p:grpSpPr>
       <p:sp>
         <p:nvSpPr>
-          <p:cNvPr id="2" name="幻灯片图像占位符 1"/>
+          <p:cNvPr id="2" name="Slide Image Placeholder 1"/>
           <p:cNvSpPr>
             <a:spLocks noGrp="1" noRot="1" noChangeAspect="1"/>
           </p:cNvSpPr>
@@ -1318,7 +1718,7 @@
       </p:sp>
       <p:sp>
         <p:nvSpPr>
-          <p:cNvPr id="3" name="备注占位符 2"/>
+          <p:cNvPr id="3" name="Notes Placeholder 2"/>
           <p:cNvSpPr>
             <a:spLocks noGrp="1"/>
           </p:cNvSpPr>
@@ -1331,127 +1731,13 @@
           <a:bodyPr/>
           <a:lstStyle/>
           <a:p>
-            <a:r>
-              <a:rPr kumimoji="1" lang="en-US" altLang="zh-CN" sz="1200" b="1" dirty="0" smtClean="0">
-                <a:latin typeface="+mn-lt"/>
-              </a:rPr>
-              <a:t>The last but not the least is the area for our further</a:t>
-            </a:r>
-            <a:r>
-              <a:rPr kumimoji="1" lang="en-US" altLang="zh-CN" sz="1200" b="1" baseline="0" dirty="0" smtClean="0">
-                <a:latin typeface="+mn-lt"/>
-              </a:rPr>
-              <a:t> research. As what I have mentioned in the regional analysis that besides Cambodia, three other countries also display a positive relationship between trade growth and the level of dollarization, which are Haiti, Jamaica and Tajikistan. So we would like to conduct further research to find out the reasons for their trade promotion by dollarization. And we are particularly interest in comparing the similarities and the differences for those reasons.</a:t>
-            </a:r>
-          </a:p>
-          <a:p>
-            <a:endParaRPr kumimoji="1" lang="en-US" altLang="zh-CN" sz="1200" b="1" baseline="0" dirty="0" smtClean="0">
-              <a:latin typeface="+mn-lt"/>
-            </a:endParaRPr>
-          </a:p>
-          <a:p>
-            <a:pPr marL="0" marR="0" indent="0" algn="l" defTabSz="914400" rtl="0" eaLnBrk="1" fontAlgn="auto" latinLnBrk="0" hangingPunct="1">
-              <a:lnSpc>
-                <a:spcPct val="100000"/>
-              </a:lnSpc>
-              <a:spcBef>
-                <a:spcPts val="0"/>
-              </a:spcBef>
-              <a:spcAft>
-                <a:spcPts val="0"/>
-              </a:spcAft>
-              <a:buClrTx/>
-              <a:buSzTx/>
-              <a:buFontTx/>
-              <a:buNone/>
-              <a:tabLst/>
-              <a:defRPr/>
-            </a:pPr>
-            <a:r>
-              <a:rPr kumimoji="1" lang="en-US" altLang="zh-CN" sz="1200" b="1" baseline="0" dirty="0" smtClean="0">
-                <a:latin typeface="+mn-lt"/>
-              </a:rPr>
-              <a:t>What’s more,</a:t>
-            </a:r>
-            <a:r>
-              <a:rPr lang="en-US" altLang="zh-CN" sz="1200" b="1" dirty="0" smtClean="0">
-                <a:latin typeface="+mn-lt"/>
-                <a:cs typeface="Times New Roman" pitchFamily="18" charset="0"/>
-              </a:rPr>
-              <a:t> further research aiming at investigate why inflation and GDP growth rate don’t significantly explain trade growth in Southeast Asia and Central Asia</a:t>
-            </a:r>
-            <a:r>
-              <a:rPr lang="en-US" altLang="zh-CN" sz="1200" b="1" baseline="0" dirty="0" smtClean="0">
-                <a:latin typeface="+mn-lt"/>
-                <a:cs typeface="Times New Roman" pitchFamily="18" charset="0"/>
-              </a:rPr>
-              <a:t> would also be an interesting research area since </a:t>
-            </a:r>
-            <a:r>
-              <a:rPr lang="en-US" altLang="zh-CN" sz="1200" b="1" dirty="0" smtClean="0">
-                <a:solidFill>
-                  <a:schemeClr val="tx2">
-                    <a:lumMod val="50000"/>
-                  </a:schemeClr>
-                </a:solidFill>
-                <a:latin typeface="+mn-lt"/>
-              </a:rPr>
-              <a:t>obscured effects from macroeconomic indicators</a:t>
-            </a:r>
-            <a:r>
-              <a:rPr lang="en-US" altLang="zh-CN" sz="1200" b="1" baseline="0" dirty="0" smtClean="0">
-                <a:latin typeface="+mn-lt"/>
-                <a:cs typeface="Times New Roman" pitchFamily="18" charset="0"/>
-              </a:rPr>
-              <a:t> is what beyond our expectation.</a:t>
-            </a:r>
-            <a:endParaRPr lang="en-US" altLang="zh-CN" sz="1200" b="1" dirty="0" smtClean="0">
-              <a:latin typeface="+mn-lt"/>
-              <a:cs typeface="Times New Roman" pitchFamily="18" charset="0"/>
-            </a:endParaRPr>
-          </a:p>
-          <a:p>
-            <a:endParaRPr kumimoji="1" lang="en-US" altLang="zh-CN" sz="1200" b="1" dirty="0" smtClean="0">
-              <a:latin typeface="+mn-lt"/>
-            </a:endParaRPr>
-          </a:p>
-          <a:p>
-            <a:r>
-              <a:rPr kumimoji="1" lang="en-US" altLang="zh-CN" sz="1200" b="1" dirty="0" smtClean="0">
-                <a:latin typeface="+mn-lt"/>
-              </a:rPr>
-              <a:t>Also, we would like to get</a:t>
-            </a:r>
-            <a:r>
-              <a:rPr kumimoji="1" lang="en-US" altLang="zh-CN" sz="1200" b="1" baseline="0" dirty="0" smtClean="0">
-                <a:latin typeface="+mn-lt"/>
-              </a:rPr>
-              <a:t> some possible policy implications in minimizing the cost of de-dollarization in sample countries, such as how to the avoid the problem of capital flight as a result of de-dollarization.</a:t>
-            </a:r>
-          </a:p>
-          <a:p>
-            <a:endParaRPr kumimoji="1" lang="en-US" altLang="zh-CN" sz="1200" b="1" baseline="0" dirty="0" smtClean="0">
-              <a:latin typeface="+mn-lt"/>
-            </a:endParaRPr>
-          </a:p>
-          <a:p>
-            <a:r>
-              <a:rPr kumimoji="1" lang="en-US" altLang="zh-CN" sz="1200" b="1" baseline="0" dirty="0" smtClean="0">
-                <a:latin typeface="+mn-lt"/>
-              </a:rPr>
-              <a:t>That’s all for our presentation. Thank you for your time and attention. Any question is welcomed.</a:t>
-            </a:r>
-          </a:p>
-          <a:p>
-            <a:endParaRPr kumimoji="1" lang="zh-CN" altLang="en-US" sz="1400" b="1" dirty="0">
-              <a:latin typeface="+mn-lt"/>
-            </a:endParaRPr>
-          </a:p>
-        </p:txBody>
-      </p:sp>
-      <p:sp>
-        <p:nvSpPr>
-          <p:cNvPr id="4" name="幻灯片编号占位符 3"/>
+            <a:endParaRPr lang="en-US" dirty="0"/>
+          </a:p>
+        </p:txBody>
+      </p:sp>
+      <p:sp>
+        <p:nvSpPr>
+          <p:cNvPr id="4" name="Slide Number Placeholder 3"/>
           <p:cNvSpPr>
             <a:spLocks noGrp="1"/>
           </p:cNvSpPr>
@@ -1466,7 +1752,7 @@
           <a:p>
             <a:fld id="{840F4A49-2218-49F9-A339-F86BCA4B9A96}" type="slidenum">
               <a:rPr lang="en-US" smtClean="0"/>
-              <a:t>10</a:t>
+              <a:t>8</a:t>
             </a:fld>
             <a:endParaRPr lang="en-US"/>
           </a:p>
@@ -1475,7 +1761,7 @@
     </p:spTree>
     <p:extLst>
       <p:ext uri="{BB962C8B-B14F-4D97-AF65-F5344CB8AC3E}">
-        <p14:creationId xmlns:p14="http://schemas.microsoft.com/office/powerpoint/2010/main" val="1115229136"/>
+        <p14:creationId xmlns:p14="http://schemas.microsoft.com/office/powerpoint/2010/main" val="1427554976"/>
       </p:ext>
     </p:extLst>
   </p:cSld>
@@ -1529,7 +1815,13 @@
           <a:bodyPr/>
           <a:lstStyle/>
           <a:p>
-            <a:endParaRPr kumimoji="1" lang="zh-CN" altLang="en-US"/>
+            <a:endParaRPr lang="en-US" altLang="zh-CN" sz="1400" b="1" dirty="0" smtClean="0">
+              <a:latin typeface="+mn-lt"/>
+              <a:cs typeface="Times New Roman" pitchFamily="18" charset="0"/>
+            </a:endParaRPr>
+          </a:p>
+          <a:p>
+            <a:endParaRPr kumimoji="1" lang="zh-CN" altLang="en-US" dirty="0"/>
           </a:p>
         </p:txBody>
       </p:sp>
@@ -1550,7 +1842,7 @@
           <a:p>
             <a:fld id="{840F4A49-2218-49F9-A339-F86BCA4B9A96}" type="slidenum">
               <a:rPr lang="en-US" smtClean="0"/>
-              <a:t>11</a:t>
+              <a:t>9</a:t>
             </a:fld>
             <a:endParaRPr lang="en-US"/>
           </a:p>
@@ -1559,7 +1851,7 @@
     </p:spTree>
     <p:extLst>
       <p:ext uri="{BB962C8B-B14F-4D97-AF65-F5344CB8AC3E}">
-        <p14:creationId xmlns:p14="http://schemas.microsoft.com/office/powerpoint/2010/main" val="3791524513"/>
+        <p14:creationId xmlns:p14="http://schemas.microsoft.com/office/powerpoint/2010/main" val="2628358046"/>
       </p:ext>
     </p:extLst>
   </p:cSld>
@@ -5847,7 +6139,27 @@
                   </a:schemeClr>
                 </a:solidFill>
               </a:rPr>
-              <a:t>How to classify the functionality of water projects, which are functional, which needs some repair, and which don</a:t>
+              <a:t>How to classify the functionality of water projects, which are functional, which </a:t>
+            </a:r>
+            <a:r>
+              <a:rPr lang="en-US" sz="2900" dirty="0" smtClean="0">
+                <a:solidFill>
+                  <a:schemeClr val="tx2">
+                    <a:lumMod val="50000"/>
+                  </a:schemeClr>
+                </a:solidFill>
+              </a:rPr>
+              <a:t>need </a:t>
+            </a:r>
+            <a:r>
+              <a:rPr lang="en-US" sz="2900" dirty="0" smtClean="0">
+                <a:solidFill>
+                  <a:schemeClr val="tx2">
+                    <a:lumMod val="50000"/>
+                  </a:schemeClr>
+                </a:solidFill>
+              </a:rPr>
+              <a:t>some repair, and which don</a:t>
             </a:r>
             <a:r>
               <a:rPr lang="uk-UA" sz="2900" dirty="0" smtClean="0">
@@ -7204,7 +7516,7 @@
           <a:graphicData uri="http://schemas.openxmlformats.org/presentationml/2006/ole">
             <mc:AlternateContent xmlns:mc="http://schemas.openxmlformats.org/markup-compatibility/2006">
               <mc:Choice xmlns:v="urn:schemas-microsoft-com:vml" Requires="v">
-                <p:oleObj spid="_x0000_s1098" name="Equation" r:id="rId5" imgW="114300" imgH="165100" progId="Equation.3">
+                <p:oleObj spid="_x0000_s1103" name="Equation" r:id="rId5" imgW="114300" imgH="165100" progId="Equation.3">
                   <p:embed/>
                 </p:oleObj>
               </mc:Choice>
@@ -7363,7 +7675,7 @@
           </p:nvPr>
         </p:nvPicPr>
         <p:blipFill>
-          <a:blip r:embed="rId2">
+          <a:blip r:embed="rId3">
             <a:extLst>
               <a:ext uri="{28A0092B-C50C-407E-A947-70E740481C1C}">
                 <a14:useLocalDpi xmlns:a14="http://schemas.microsoft.com/office/drawing/2010/main" val="0"/>
@@ -7785,7 +8097,7 @@
           <p:nvPr/>
         </p:nvPicPr>
         <p:blipFill>
-          <a:blip r:embed="rId2">
+          <a:blip r:embed="rId3">
             <a:extLst>
               <a:ext uri="{28A0092B-C50C-407E-A947-70E740481C1C}">
                 <a14:useLocalDpi xmlns:a14="http://schemas.microsoft.com/office/drawing/2010/main" val="0"/>
@@ -7815,7 +8127,7 @@
           <p:nvPr/>
         </p:nvPicPr>
         <p:blipFill>
-          <a:blip r:embed="rId3">
+          <a:blip r:embed="rId4">
             <a:extLst>
               <a:ext uri="{28A0092B-C50C-407E-A947-70E740481C1C}">
                 <a14:useLocalDpi xmlns:a14="http://schemas.microsoft.com/office/drawing/2010/main" val="0"/>
@@ -7879,7 +8191,7 @@
           <p:nvPr/>
         </p:nvPicPr>
         <p:blipFill>
-          <a:blip r:embed="rId4">
+          <a:blip r:embed="rId5">
             <a:extLst>
               <a:ext uri="{28A0092B-C50C-407E-A947-70E740481C1C}">
                 <a14:useLocalDpi xmlns:a14="http://schemas.microsoft.com/office/drawing/2010/main" val="0"/>
@@ -8905,6 +9217,36 @@
           <a:chExt cx="0" cy="0"/>
         </a:xfrm>
       </p:grpSpPr>
+      <p:pic>
+        <p:nvPicPr>
+          <p:cNvPr id="3" name="Picture 2" descr="varImportance.jpeg"/>
+          <p:cNvPicPr>
+            <a:picLocks noChangeAspect="1"/>
+          </p:cNvPicPr>
+          <p:nvPr/>
+        </p:nvPicPr>
+        <p:blipFill>
+          <a:blip r:embed="rId3">
+            <a:extLst>
+              <a:ext uri="{28A0092B-C50C-407E-A947-70E740481C1C}">
+                <a14:useLocalDpi xmlns:a14="http://schemas.microsoft.com/office/drawing/2010/main" val="0"/>
+              </a:ext>
+            </a:extLst>
+          </a:blip>
+          <a:stretch>
+            <a:fillRect/>
+          </a:stretch>
+        </p:blipFill>
+        <p:spPr>
+          <a:xfrm>
+            <a:off x="1371600" y="3657600"/>
+            <a:ext cx="5410200" cy="3124200"/>
+          </a:xfrm>
+          <a:prstGeom prst="rect">
+            <a:avLst/>
+          </a:prstGeom>
+        </p:spPr>
+      </p:pic>
       <p:sp>
         <p:nvSpPr>
           <p:cNvPr id="2" name="Title 1"/>
@@ -8990,7 +9332,7 @@
           <p:nvPr/>
         </p:nvPicPr>
         <p:blipFill>
-          <a:blip r:embed="rId3">
+          <a:blip r:embed="rId4">
             <a:extLst>
               <a:ext uri="{28A0092B-C50C-407E-A947-70E740481C1C}">
                 <a14:useLocalDpi xmlns:a14="http://schemas.microsoft.com/office/drawing/2010/main" val="0"/>
@@ -9045,284 +9387,6 @@
           </a:extLst>
         </p:spPr>
       </p:pic>
-      <p:graphicFrame>
-        <p:nvGraphicFramePr>
-          <p:cNvPr id="6" name="Table 5"/>
-          <p:cNvGraphicFramePr>
-            <a:graphicFrameLocks noGrp="1"/>
-          </p:cNvGraphicFramePr>
-          <p:nvPr>
-            <p:extLst>
-              <p:ext uri="{D42A27DB-BD31-4B8C-83A1-F6EECF244321}">
-                <p14:modId xmlns:p14="http://schemas.microsoft.com/office/powerpoint/2010/main" val="3909489419"/>
-              </p:ext>
-            </p:extLst>
-          </p:nvPr>
-        </p:nvGraphicFramePr>
-        <p:xfrm>
-          <a:off x="533400" y="3962400"/>
-          <a:ext cx="7086600" cy="1938944"/>
-        </p:xfrm>
-        <a:graphic>
-          <a:graphicData uri="http://schemas.openxmlformats.org/drawingml/2006/table">
-            <a:tbl>
-              <a:tblPr firstRow="1" bandRow="1">
-                <a:tableStyleId>{7DF18680-E054-41AD-8BC1-D1AEF772440D}</a:tableStyleId>
-              </a:tblPr>
-              <a:tblGrid>
-                <a:gridCol w="1771650"/>
-                <a:gridCol w="1771650"/>
-                <a:gridCol w="1771650"/>
-                <a:gridCol w="1771650"/>
-              </a:tblGrid>
-              <a:tr h="567344">
-                <a:tc>
-                  <a:txBody>
-                    <a:bodyPr/>
-                    <a:lstStyle/>
-                    <a:p>
-                      <a:endParaRPr lang="en-US" dirty="0"/>
-                    </a:p>
-                  </a:txBody>
-                  <a:tcPr/>
-                </a:tc>
-                <a:tc>
-                  <a:txBody>
-                    <a:bodyPr/>
-                    <a:lstStyle/>
-                    <a:p>
-                      <a:r>
-                        <a:rPr lang="en-US" dirty="0" smtClean="0"/>
-                        <a:t>Functional</a:t>
-                      </a:r>
-                      <a:endParaRPr lang="en-US" dirty="0"/>
-                    </a:p>
-                  </a:txBody>
-                  <a:tcPr/>
-                </a:tc>
-                <a:tc>
-                  <a:txBody>
-                    <a:bodyPr/>
-                    <a:lstStyle/>
-                    <a:p>
-                      <a:r>
-                        <a:rPr lang="en-US" dirty="0" smtClean="0"/>
-                        <a:t>Need</a:t>
-                      </a:r>
-                      <a:r>
-                        <a:rPr lang="en-US" baseline="0" dirty="0" smtClean="0"/>
-                        <a:t> repair</a:t>
-                      </a:r>
-                      <a:endParaRPr lang="en-US" dirty="0"/>
-                    </a:p>
-                  </a:txBody>
-                  <a:tcPr/>
-                </a:tc>
-                <a:tc>
-                  <a:txBody>
-                    <a:bodyPr/>
-                    <a:lstStyle/>
-                    <a:p>
-                      <a:r>
-                        <a:rPr lang="en-US" dirty="0" smtClean="0"/>
-                        <a:t>Non</a:t>
-                      </a:r>
-                      <a:r>
-                        <a:rPr lang="en-US" baseline="0" dirty="0" smtClean="0"/>
-                        <a:t>-functional</a:t>
-                      </a:r>
-                      <a:endParaRPr lang="en-US" dirty="0"/>
-                    </a:p>
-                  </a:txBody>
-                  <a:tcPr/>
-                </a:tc>
-              </a:tr>
-              <a:tr h="324196">
-                <a:tc>
-                  <a:txBody>
-                    <a:bodyPr/>
-                    <a:lstStyle/>
-                    <a:p>
-                      <a:r>
-                        <a:rPr lang="en-US" dirty="0" smtClean="0"/>
-                        <a:t>Functional</a:t>
-                      </a:r>
-                      <a:endParaRPr lang="en-US" dirty="0"/>
-                    </a:p>
-                  </a:txBody>
-                  <a:tcPr/>
-                </a:tc>
-                <a:tc>
-                  <a:txBody>
-                    <a:bodyPr/>
-                    <a:lstStyle/>
-                    <a:p>
-                      <a:pPr algn="ctr"/>
-                      <a:r>
-                        <a:rPr lang="is-IS" dirty="0" smtClean="0"/>
-                        <a:t>4051</a:t>
-                      </a:r>
-                      <a:endParaRPr lang="en-US" dirty="0"/>
-                    </a:p>
-                  </a:txBody>
-                  <a:tcPr/>
-                </a:tc>
-                <a:tc>
-                  <a:txBody>
-                    <a:bodyPr/>
-                    <a:lstStyle/>
-                    <a:p>
-                      <a:pPr algn="ctr"/>
-                      <a:r>
-                        <a:rPr lang="en-US" dirty="0" smtClean="0"/>
-                        <a:t>238</a:t>
-                      </a:r>
-                      <a:endParaRPr lang="en-US" dirty="0"/>
-                    </a:p>
-                  </a:txBody>
-                  <a:tcPr/>
-                </a:tc>
-                <a:tc>
-                  <a:txBody>
-                    <a:bodyPr/>
-                    <a:lstStyle/>
-                    <a:p>
-                      <a:pPr algn="ctr"/>
-                      <a:r>
-                        <a:rPr lang="en-US" dirty="0" smtClean="0"/>
-                        <a:t>2215</a:t>
-                      </a:r>
-                    </a:p>
-                  </a:txBody>
-                  <a:tcPr/>
-                </a:tc>
-              </a:tr>
-              <a:tr h="324196">
-                <a:tc>
-                  <a:txBody>
-                    <a:bodyPr/>
-                    <a:lstStyle/>
-                    <a:p>
-                      <a:r>
-                        <a:rPr lang="en-US" dirty="0" smtClean="0"/>
-                        <a:t>Need repair</a:t>
-                      </a:r>
-                      <a:endParaRPr lang="en-US" dirty="0"/>
-                    </a:p>
-                  </a:txBody>
-                  <a:tcPr/>
-                </a:tc>
-                <a:tc>
-                  <a:txBody>
-                    <a:bodyPr/>
-                    <a:lstStyle/>
-                    <a:p>
-                      <a:pPr algn="ctr"/>
-                      <a:r>
-                        <a:rPr lang="en-US" dirty="0" smtClean="0"/>
-                        <a:t>562</a:t>
-                      </a:r>
-                      <a:endParaRPr lang="en-US" dirty="0"/>
-                    </a:p>
-                  </a:txBody>
-                  <a:tcPr/>
-                </a:tc>
-                <a:tc>
-                  <a:txBody>
-                    <a:bodyPr/>
-                    <a:lstStyle/>
-                    <a:p>
-                      <a:pPr algn="ctr"/>
-                      <a:r>
-                        <a:rPr lang="en-US" dirty="0" smtClean="0"/>
-                        <a:t>31</a:t>
-                      </a:r>
-                      <a:endParaRPr lang="en-US" dirty="0"/>
-                    </a:p>
-                  </a:txBody>
-                  <a:tcPr/>
-                </a:tc>
-                <a:tc>
-                  <a:txBody>
-                    <a:bodyPr/>
-                    <a:lstStyle/>
-                    <a:p>
-                      <a:pPr algn="ctr"/>
-                      <a:r>
-                        <a:rPr lang="en-US" dirty="0" smtClean="0"/>
-                        <a:t>266</a:t>
-                      </a:r>
-                      <a:endParaRPr lang="en-US" dirty="0"/>
-                    </a:p>
-                  </a:txBody>
-                  <a:tcPr/>
-                </a:tc>
-              </a:tr>
-              <a:tr h="567344">
-                <a:tc>
-                  <a:txBody>
-                    <a:bodyPr/>
-                    <a:lstStyle/>
-                    <a:p>
-                      <a:r>
-                        <a:rPr lang="en-US" dirty="0" smtClean="0"/>
-                        <a:t>Non-Functional</a:t>
-                      </a:r>
-                      <a:endParaRPr lang="en-US" dirty="0"/>
-                    </a:p>
-                  </a:txBody>
-                  <a:tcPr/>
-                </a:tc>
-                <a:tc>
-                  <a:txBody>
-                    <a:bodyPr/>
-                    <a:lstStyle/>
-                    <a:p>
-                      <a:pPr algn="ctr"/>
-                      <a:r>
-                        <a:rPr lang="en-US" dirty="0" smtClean="0"/>
-                        <a:t>2846</a:t>
-                      </a:r>
-                      <a:endParaRPr lang="en-US" dirty="0"/>
-                    </a:p>
-                  </a:txBody>
-                  <a:tcPr/>
-                </a:tc>
-                <a:tc>
-                  <a:txBody>
-                    <a:bodyPr/>
-                    <a:lstStyle/>
-                    <a:p>
-                      <a:pPr algn="ctr"/>
-                      <a:r>
-                        <a:rPr lang="en-US" dirty="0" smtClean="0"/>
-                        <a:t>129</a:t>
-                      </a:r>
-                      <a:endParaRPr lang="en-US" dirty="0"/>
-                    </a:p>
-                  </a:txBody>
-                  <a:tcPr/>
-                </a:tc>
-                <a:tc>
-                  <a:txBody>
-                    <a:bodyPr/>
-                    <a:lstStyle/>
-                    <a:p>
-                      <a:pPr algn="ctr"/>
-                      <a:r>
-                        <a:rPr lang="en-US" dirty="0" smtClean="0"/>
-                        <a:t>1542</a:t>
-                      </a:r>
-                      <a:endParaRPr lang="en-US" dirty="0"/>
-                    </a:p>
-                  </a:txBody>
-                  <a:tcPr/>
-                </a:tc>
-              </a:tr>
-            </a:tbl>
-          </a:graphicData>
-        </a:graphic>
-      </p:graphicFrame>
       <p:sp>
         <p:nvSpPr>
           <p:cNvPr id="7" name="TextBox 6"/>
@@ -9331,7 +9395,7 @@
         </p:nvSpPr>
         <p:spPr>
           <a:xfrm>
-            <a:off x="1295400" y="3505200"/>
+            <a:off x="2057400" y="3505200"/>
             <a:ext cx="6019800" cy="369332"/>
           </a:xfrm>
           <a:prstGeom prst="rect">
@@ -9347,7 +9411,15 @@
           <a:p>
             <a:r>
               <a:rPr lang="en-US" b="1" dirty="0" smtClean="0"/>
-              <a:t>Confusion Matrix for on Test data classification</a:t>
+              <a:t>Importance Plot based on </a:t>
+            </a:r>
+            <a:r>
+              <a:rPr lang="en-US" b="1" dirty="0" err="1" smtClean="0"/>
+              <a:t>XGboost</a:t>
+            </a:r>
+            <a:r>
+              <a:rPr lang="en-US" b="1" dirty="0" smtClean="0"/>
+              <a:t> tuning</a:t>
             </a:r>
             <a:endParaRPr lang="en-US" b="1" dirty="0"/>
           </a:p>
@@ -9361,7 +9433,7 @@
         </p:nvSpPr>
         <p:spPr>
           <a:xfrm>
-            <a:off x="685800" y="6096000"/>
+            <a:off x="6400800" y="6172200"/>
             <a:ext cx="1826141" cy="338554"/>
           </a:xfrm>
           <a:prstGeom prst="rect">
@@ -9396,7 +9468,7 @@
           <p:nvPr/>
         </p:nvPicPr>
         <p:blipFill>
-          <a:blip r:embed="rId4">
+          <a:blip r:embed="rId5">
             <a:extLst>
               <a:ext uri="{28A0092B-C50C-407E-A947-70E740481C1C}">
                 <a14:useLocalDpi xmlns:a14="http://schemas.microsoft.com/office/drawing/2010/main" val="0"/>
@@ -9456,7 +9528,7 @@
           <p:nvPr/>
         </p:nvPicPr>
         <p:blipFill>
-          <a:blip r:embed="rId5">
+          <a:blip r:embed="rId6">
             <a:extLst>
               <a:ext uri="{28A0092B-C50C-407E-A947-70E740481C1C}">
                 <a14:useLocalDpi xmlns:a14="http://schemas.microsoft.com/office/drawing/2010/main" val="0"/>
